--- a/riwu_slide.pptx
+++ b/riwu_slide.pptx
@@ -299,7 +299,7 @@
           <a:p>
             <a:fld id="{C304C20E-767A-4934-9B07-6A37267EC31D}" type="datetimeFigureOut">
               <a:rPr lang="en-SG" smtClean="0"/>
-              <a:t>31/1/2016</a:t>
+              <a:t>1/2/2016</a:t>
             </a:fld>
             <a:endParaRPr lang="en-SG"/>
           </a:p>
@@ -464,7 +464,7 @@
           <a:p>
             <a:fld id="{C304C20E-767A-4934-9B07-6A37267EC31D}" type="datetimeFigureOut">
               <a:rPr lang="en-SG" smtClean="0"/>
-              <a:t>31/1/2016</a:t>
+              <a:t>1/2/2016</a:t>
             </a:fld>
             <a:endParaRPr lang="en-SG"/>
           </a:p>
@@ -639,7 +639,7 @@
           <a:p>
             <a:fld id="{C304C20E-767A-4934-9B07-6A37267EC31D}" type="datetimeFigureOut">
               <a:rPr lang="en-SG" smtClean="0"/>
-              <a:t>31/1/2016</a:t>
+              <a:t>1/2/2016</a:t>
             </a:fld>
             <a:endParaRPr lang="en-SG"/>
           </a:p>
@@ -804,7 +804,7 @@
           <a:p>
             <a:fld id="{C304C20E-767A-4934-9B07-6A37267EC31D}" type="datetimeFigureOut">
               <a:rPr lang="en-SG" smtClean="0"/>
-              <a:t>31/1/2016</a:t>
+              <a:t>1/2/2016</a:t>
             </a:fld>
             <a:endParaRPr lang="en-SG"/>
           </a:p>
@@ -1046,7 +1046,7 @@
           <a:p>
             <a:fld id="{C304C20E-767A-4934-9B07-6A37267EC31D}" type="datetimeFigureOut">
               <a:rPr lang="en-SG" smtClean="0"/>
-              <a:t>31/1/2016</a:t>
+              <a:t>1/2/2016</a:t>
             </a:fld>
             <a:endParaRPr lang="en-SG"/>
           </a:p>
@@ -1310,7 +1310,7 @@
           <a:p>
             <a:fld id="{C304C20E-767A-4934-9B07-6A37267EC31D}" type="datetimeFigureOut">
               <a:rPr lang="en-SG" smtClean="0"/>
-              <a:t>31/1/2016</a:t>
+              <a:t>1/2/2016</a:t>
             </a:fld>
             <a:endParaRPr lang="en-SG"/>
           </a:p>
@@ -1688,7 +1688,7 @@
           <a:p>
             <a:fld id="{C304C20E-767A-4934-9B07-6A37267EC31D}" type="datetimeFigureOut">
               <a:rPr lang="en-SG" smtClean="0"/>
-              <a:t>31/1/2016</a:t>
+              <a:t>1/2/2016</a:t>
             </a:fld>
             <a:endParaRPr lang="en-SG"/>
           </a:p>
@@ -1838,7 +1838,7 @@
           <a:p>
             <a:fld id="{C304C20E-767A-4934-9B07-6A37267EC31D}" type="datetimeFigureOut">
               <a:rPr lang="en-SG" smtClean="0"/>
-              <a:t>31/1/2016</a:t>
+              <a:t>1/2/2016</a:t>
             </a:fld>
             <a:endParaRPr lang="en-SG"/>
           </a:p>
@@ -1928,7 +1928,7 @@
           <a:p>
             <a:fld id="{C304C20E-767A-4934-9B07-6A37267EC31D}" type="datetimeFigureOut">
               <a:rPr lang="en-SG" smtClean="0"/>
-              <a:t>31/1/2016</a:t>
+              <a:t>1/2/2016</a:t>
             </a:fld>
             <a:endParaRPr lang="en-SG"/>
           </a:p>
@@ -2189,7 +2189,7 @@
           <a:p>
             <a:fld id="{C304C20E-767A-4934-9B07-6A37267EC31D}" type="datetimeFigureOut">
               <a:rPr lang="en-SG" smtClean="0"/>
-              <a:t>31/1/2016</a:t>
+              <a:t>1/2/2016</a:t>
             </a:fld>
             <a:endParaRPr lang="en-SG"/>
           </a:p>
@@ -2477,7 +2477,7 @@
           <a:p>
             <a:fld id="{C304C20E-767A-4934-9B07-6A37267EC31D}" type="datetimeFigureOut">
               <a:rPr lang="en-SG" smtClean="0"/>
-              <a:t>31/1/2016</a:t>
+              <a:t>1/2/2016</a:t>
             </a:fld>
             <a:endParaRPr lang="en-SG"/>
           </a:p>
@@ -3248,7 +3248,7 @@
           <a:p>
             <a:fld id="{C304C20E-767A-4934-9B07-6A37267EC31D}" type="datetimeFigureOut">
               <a:rPr lang="en-SG" smtClean="0"/>
-              <a:t>31/1/2016</a:t>
+              <a:t>1/2/2016</a:t>
             </a:fld>
             <a:endParaRPr lang="en-SG"/>
           </a:p>
@@ -4222,9 +4222,124 @@
   <p:timing>
     <p:tnLst>
       <p:par>
-        <p:cTn id="1" dur="indefinite" restart="never" nodeType="tmRoot"/>
+        <p:cTn id="1" dur="indefinite" restart="never" nodeType="tmRoot">
+          <p:childTnLst>
+            <p:seq concurrent="1" nextAc="seek">
+              <p:cTn id="2" dur="indefinite" nodeType="mainSeq">
+                <p:childTnLst>
+                  <p:par>
+                    <p:cTn id="3" fill="hold">
+                      <p:stCondLst>
+                        <p:cond delay="indefinite"/>
+                      </p:stCondLst>
+                      <p:childTnLst>
+                        <p:par>
+                          <p:cTn id="4" fill="hold">
+                            <p:stCondLst>
+                              <p:cond delay="0"/>
+                            </p:stCondLst>
+                            <p:childTnLst>
+                              <p:par>
+                                <p:cTn id="5" presetID="10" presetClass="entr" presetSubtype="0" fill="hold" grpId="0" nodeType="clickEffect">
+                                  <p:stCondLst>
+                                    <p:cond delay="0"/>
+                                  </p:stCondLst>
+                                  <p:childTnLst>
+                                    <p:set>
+                                      <p:cBhvr>
+                                        <p:cTn id="6" dur="1" fill="hold">
+                                          <p:stCondLst>
+                                            <p:cond delay="0"/>
+                                          </p:stCondLst>
+                                        </p:cTn>
+                                        <p:tgtEl>
+                                          <p:spTgt spid="10"/>
+                                        </p:tgtEl>
+                                        <p:attrNameLst>
+                                          <p:attrName>style.visibility</p:attrName>
+                                        </p:attrNameLst>
+                                      </p:cBhvr>
+                                      <p:to>
+                                        <p:strVal val="visible"/>
+                                      </p:to>
+                                    </p:set>
+                                    <p:animEffect transition="in" filter="fade">
+                                      <p:cBhvr>
+                                        <p:cTn id="7" dur="500"/>
+                                        <p:tgtEl>
+                                          <p:spTgt spid="10"/>
+                                        </p:tgtEl>
+                                      </p:cBhvr>
+                                    </p:animEffect>
+                                  </p:childTnLst>
+                                </p:cTn>
+                              </p:par>
+                              <p:par>
+                                <p:cTn id="8" presetID="10" presetClass="entr" presetSubtype="0" fill="hold" grpId="0" nodeType="withEffect">
+                                  <p:stCondLst>
+                                    <p:cond delay="0"/>
+                                  </p:stCondLst>
+                                  <p:childTnLst>
+                                    <p:set>
+                                      <p:cBhvr>
+                                        <p:cTn id="9" dur="1" fill="hold">
+                                          <p:stCondLst>
+                                            <p:cond delay="0"/>
+                                          </p:stCondLst>
+                                        </p:cTn>
+                                        <p:tgtEl>
+                                          <p:spTgt spid="9"/>
+                                        </p:tgtEl>
+                                        <p:attrNameLst>
+                                          <p:attrName>style.visibility</p:attrName>
+                                        </p:attrNameLst>
+                                      </p:cBhvr>
+                                      <p:to>
+                                        <p:strVal val="visible"/>
+                                      </p:to>
+                                    </p:set>
+                                    <p:animEffect transition="in" filter="fade">
+                                      <p:cBhvr>
+                                        <p:cTn id="10" dur="500"/>
+                                        <p:tgtEl>
+                                          <p:spTgt spid="9"/>
+                                        </p:tgtEl>
+                                      </p:cBhvr>
+                                    </p:animEffect>
+                                  </p:childTnLst>
+                                </p:cTn>
+                              </p:par>
+                            </p:childTnLst>
+                          </p:cTn>
+                        </p:par>
+                      </p:childTnLst>
+                    </p:cTn>
+                  </p:par>
+                </p:childTnLst>
+              </p:cTn>
+              <p:prevCondLst>
+                <p:cond evt="onPrev" delay="0">
+                  <p:tgtEl>
+                    <p:sldTgt/>
+                  </p:tgtEl>
+                </p:cond>
+              </p:prevCondLst>
+              <p:nextCondLst>
+                <p:cond evt="onNext" delay="0">
+                  <p:tgtEl>
+                    <p:sldTgt/>
+                  </p:tgtEl>
+                </p:cond>
+              </p:nextCondLst>
+            </p:seq>
+          </p:childTnLst>
+        </p:cTn>
       </p:par>
     </p:tnLst>
+    <p:bldLst>
+      <p:bldP spid="9" grpId="0" animBg="1"/>
+      <p:bldP spid="10" grpId="0" animBg="1"/>
+    </p:bldLst>
   </p:timing>
 </p:sld>
 </file>
@@ -4320,7 +4435,7 @@
         </p:blipFill>
         <p:spPr>
           <a:xfrm>
-            <a:off x="1835696" y="2924944"/>
+            <a:off x="3706597" y="2710340"/>
             <a:ext cx="5148790" cy="1092168"/>
           </a:xfrm>
           <a:prstGeom prst="rect">
@@ -4350,8 +4465,38 @@
         </p:blipFill>
         <p:spPr>
           <a:xfrm>
-            <a:off x="1835696" y="4365104"/>
+            <a:off x="3706597" y="4577368"/>
             <a:ext cx="5227827" cy="1747232"/>
+          </a:xfrm>
+          <a:prstGeom prst="rect">
+            <a:avLst/>
+          </a:prstGeom>
+        </p:spPr>
+      </p:pic>
+      <p:pic>
+        <p:nvPicPr>
+          <p:cNvPr id="9" name="Picture 8"/>
+          <p:cNvPicPr>
+            <a:picLocks noChangeAspect="1"/>
+          </p:cNvPicPr>
+          <p:nvPr/>
+        </p:nvPicPr>
+        <p:blipFill>
+          <a:blip r:embed="rId4">
+            <a:extLst>
+              <a:ext uri="{28A0092B-C50C-407E-A947-70E740481C1C}">
+                <a14:useLocalDpi xmlns:a14="http://schemas.microsoft.com/office/drawing/2010/main" val="0"/>
+              </a:ext>
+            </a:extLst>
+          </a:blip>
+          <a:stretch>
+            <a:fillRect/>
+          </a:stretch>
+        </p:blipFill>
+        <p:spPr>
+          <a:xfrm>
+            <a:off x="414917" y="2989742"/>
+            <a:ext cx="3044056" cy="2572227"/>
           </a:xfrm>
           <a:prstGeom prst="rect">
             <a:avLst/>
@@ -4371,7 +4516,189 @@
   <p:timing>
     <p:tnLst>
       <p:par>
-        <p:cTn id="1" dur="indefinite" restart="never" nodeType="tmRoot"/>
+        <p:cTn id="1" dur="indefinite" restart="never" nodeType="tmRoot">
+          <p:childTnLst>
+            <p:seq concurrent="1" nextAc="seek">
+              <p:cTn id="2" dur="indefinite" nodeType="mainSeq">
+                <p:childTnLst>
+                  <p:par>
+                    <p:cTn id="3" fill="hold">
+                      <p:stCondLst>
+                        <p:cond delay="indefinite"/>
+                      </p:stCondLst>
+                      <p:childTnLst>
+                        <p:par>
+                          <p:cTn id="4" fill="hold">
+                            <p:stCondLst>
+                              <p:cond delay="0"/>
+                            </p:stCondLst>
+                            <p:childTnLst>
+                              <p:par>
+                                <p:cTn id="5" presetID="10" presetClass="entr" presetSubtype="0" fill="hold" nodeType="clickEffect">
+                                  <p:stCondLst>
+                                    <p:cond delay="0"/>
+                                  </p:stCondLst>
+                                  <p:childTnLst>
+                                    <p:set>
+                                      <p:cBhvr>
+                                        <p:cTn id="6" dur="1" fill="hold">
+                                          <p:stCondLst>
+                                            <p:cond delay="0"/>
+                                          </p:stCondLst>
+                                        </p:cTn>
+                                        <p:tgtEl>
+                                          <p:spTgt spid="9"/>
+                                        </p:tgtEl>
+                                        <p:attrNameLst>
+                                          <p:attrName>style.visibility</p:attrName>
+                                        </p:attrNameLst>
+                                      </p:cBhvr>
+                                      <p:to>
+                                        <p:strVal val="visible"/>
+                                      </p:to>
+                                    </p:set>
+                                    <p:animEffect transition="in" filter="fade">
+                                      <p:cBhvr>
+                                        <p:cTn id="7" dur="500"/>
+                                        <p:tgtEl>
+                                          <p:spTgt spid="9"/>
+                                        </p:tgtEl>
+                                      </p:cBhvr>
+                                    </p:animEffect>
+                                  </p:childTnLst>
+                                </p:cTn>
+                              </p:par>
+                            </p:childTnLst>
+                          </p:cTn>
+                        </p:par>
+                      </p:childTnLst>
+                    </p:cTn>
+                  </p:par>
+                  <p:par>
+                    <p:cTn id="8" fill="hold">
+                      <p:stCondLst>
+                        <p:cond delay="indefinite"/>
+                      </p:stCondLst>
+                      <p:childTnLst>
+                        <p:par>
+                          <p:cTn id="9" fill="hold">
+                            <p:stCondLst>
+                              <p:cond delay="0"/>
+                            </p:stCondLst>
+                            <p:childTnLst>
+                              <p:par>
+                                <p:cTn id="10" presetID="10" presetClass="entr" presetSubtype="0" fill="hold" nodeType="clickEffect">
+                                  <p:stCondLst>
+                                    <p:cond delay="0"/>
+                                  </p:stCondLst>
+                                  <p:childTnLst>
+                                    <p:set>
+                                      <p:cBhvr>
+                                        <p:cTn id="11" dur="1" fill="hold">
+                                          <p:stCondLst>
+                                            <p:cond delay="0"/>
+                                          </p:stCondLst>
+                                        </p:cTn>
+                                        <p:tgtEl>
+                                          <p:spTgt spid="4"/>
+                                        </p:tgtEl>
+                                        <p:attrNameLst>
+                                          <p:attrName>style.visibility</p:attrName>
+                                        </p:attrNameLst>
+                                      </p:cBhvr>
+                                      <p:to>
+                                        <p:strVal val="visible"/>
+                                      </p:to>
+                                    </p:set>
+                                    <p:animEffect transition="in" filter="fade">
+                                      <p:cBhvr>
+                                        <p:cTn id="12" dur="500"/>
+                                        <p:tgtEl>
+                                          <p:spTgt spid="4"/>
+                                        </p:tgtEl>
+                                      </p:cBhvr>
+                                    </p:animEffect>
+                                  </p:childTnLst>
+                                </p:cTn>
+                              </p:par>
+                            </p:childTnLst>
+                          </p:cTn>
+                        </p:par>
+                      </p:childTnLst>
+                    </p:cTn>
+                  </p:par>
+                  <p:par>
+                    <p:cTn id="13" fill="hold">
+                      <p:stCondLst>
+                        <p:cond delay="indefinite"/>
+                      </p:stCondLst>
+                      <p:childTnLst>
+                        <p:par>
+                          <p:cTn id="14" fill="hold">
+                            <p:stCondLst>
+                              <p:cond delay="0"/>
+                            </p:stCondLst>
+                            <p:childTnLst>
+                              <p:par>
+                                <p:cTn id="15" presetID="10" presetClass="entr" presetSubtype="0" fill="hold" nodeType="clickEffect">
+                                  <p:stCondLst>
+                                    <p:cond delay="0"/>
+                                  </p:stCondLst>
+                                  <p:childTnLst>
+                                    <p:set>
+                                      <p:cBhvr>
+                                        <p:cTn id="16" dur="1" fill="hold">
+                                          <p:stCondLst>
+                                            <p:cond delay="0"/>
+                                          </p:stCondLst>
+                                        </p:cTn>
+                                        <p:tgtEl>
+                                          <p:spTgt spid="5"/>
+                                        </p:tgtEl>
+                                        <p:attrNameLst>
+                                          <p:attrName>style.visibility</p:attrName>
+                                        </p:attrNameLst>
+                                      </p:cBhvr>
+                                      <p:to>
+                                        <p:strVal val="visible"/>
+                                      </p:to>
+                                    </p:set>
+                                    <p:animEffect transition="in" filter="fade">
+                                      <p:cBhvr>
+                                        <p:cTn id="17" dur="500"/>
+                                        <p:tgtEl>
+                                          <p:spTgt spid="5"/>
+                                        </p:tgtEl>
+                                      </p:cBhvr>
+                                    </p:animEffect>
+                                  </p:childTnLst>
+                                </p:cTn>
+                              </p:par>
+                            </p:childTnLst>
+                          </p:cTn>
+                        </p:par>
+                      </p:childTnLst>
+                    </p:cTn>
+                  </p:par>
+                </p:childTnLst>
+              </p:cTn>
+              <p:prevCondLst>
+                <p:cond evt="onPrev" delay="0">
+                  <p:tgtEl>
+                    <p:sldTgt/>
+                  </p:tgtEl>
+                </p:cond>
+              </p:prevCondLst>
+              <p:nextCondLst>
+                <p:cond evt="onNext" delay="0">
+                  <p:tgtEl>
+                    <p:sldTgt/>
+                  </p:tgtEl>
+                </p:cond>
+              </p:nextCondLst>
+            </p:seq>
+          </p:childTnLst>
+        </p:cTn>
       </p:par>
     </p:tnLst>
   </p:timing>
